--- a/lab3/Lab 03 - 重複執行與亂數.pptx
+++ b/lab3/Lab 03 - 重複執行與亂數.pptx
@@ -233,6 +233,11 @@
       </a:defRPr>
     </a:lvl9pPr>
   </p:defaultTextStyle>
+  <p:extLst>
+    <p:ext uri="{EFAFB233-063F-42B5-8137-9DF3F51BA10A}">
+      <p15:sldGuideLst xmlns:p15="http://schemas.microsoft.com/office/powerpoint/2012/main"/>
+    </p:ext>
+  </p:extLst>
 </p:presentation>
 </file>
 
@@ -5802,9 +5807,38 @@
               <a:buNone/>
             </a:pPr>
             <a:r>
-              <a:rPr lang="zh-TW"/>
-              <a:t>作業一：19 x 19乘法表</a:t>
+              <a:rPr lang="zh-TW" dirty="0"/>
+              <a:t>作業一：</a:t>
             </a:r>
+            <a:r>
+              <a:rPr lang="zh-TW" dirty="0" smtClean="0"/>
+              <a:t>1</a:t>
+            </a:r>
+            <a:r>
+              <a:rPr lang="en-US" altLang="zh-TW" dirty="0" smtClean="0"/>
+              <a:t>8</a:t>
+            </a:r>
+            <a:r>
+              <a:rPr lang="zh-TW" dirty="0" smtClean="0"/>
+              <a:t> </a:t>
+            </a:r>
+            <a:r>
+              <a:rPr lang="zh-TW" dirty="0"/>
+              <a:t>x </a:t>
+            </a:r>
+            <a:r>
+              <a:rPr lang="zh-TW" dirty="0" smtClean="0"/>
+              <a:t>1</a:t>
+            </a:r>
+            <a:r>
+              <a:rPr lang="en-US" altLang="zh-TW" smtClean="0"/>
+              <a:t>8</a:t>
+            </a:r>
+            <a:r>
+              <a:rPr lang="zh-TW" smtClean="0"/>
+              <a:t>乘法表</a:t>
+            </a:r>
+            <a:endParaRPr lang="zh-TW"/>
           </a:p>
         </p:txBody>
       </p:sp>
